--- a/01 Classes/SO1 (Tecnico)/Aula2 - SO.pptx
+++ b/01 Classes/SO1 (Tecnico)/Aula2 - SO.pptx
@@ -19478,7 +19478,7 @@
               <a:buFont typeface="Noto Sans Symbols"/>
               <a:buNone/>
             </a:pPr>
-            <a:endParaRPr sz="2700" b="0" i="0" u="none" strike="noStrike" cap="none">
+            <a:endParaRPr sz="2700" b="0" i="0" u="none" strike="noStrike" cap="none" dirty="0">
               <a:solidFill>
                 <a:schemeClr val="dk2"/>
               </a:solidFill>
@@ -19506,6 +19506,18 @@
               <a:buFont typeface="Noto Sans Symbols"/>
               <a:buNone/>
             </a:pPr>
+            <a:r>
+              <a:rPr lang="pt-BR" sz="3000" b="1" i="0" u="none" strike="noStrike" cap="none" dirty="0">
+                <a:solidFill>
+                  <a:schemeClr val="dk2"/>
+                </a:solidFill>
+                <a:latin typeface="Calibri"/>
+                <a:ea typeface="Calibri"/>
+                <a:cs typeface="Calibri"/>
+                <a:sym typeface="Calibri"/>
+              </a:rPr>
+              <a:t>Virtualização </a:t>
+            </a:r>
             <a:r>
               <a:rPr lang="pt-BR" sz="3000" b="1" i="0" u="none" strike="noStrike" cap="none">
                 <a:solidFill>
@@ -19516,9 +19528,21 @@
                 <a:cs typeface="Calibri"/>
                 <a:sym typeface="Calibri"/>
               </a:rPr>
-              <a:t>Virtualização de SO/Windows 10</a:t>
+              <a:t>de SO / Windows</a:t>
             </a:r>
-            <a:endParaRPr sz="1400" b="0" i="0" u="none" strike="noStrike" cap="none">
+            <a:r>
+              <a:rPr lang="pt-BR" sz="3000" b="1" i="0" u="none" strike="noStrike" cap="none" dirty="0" err="1">
+                <a:solidFill>
+                  <a:schemeClr val="dk2"/>
+                </a:solidFill>
+                <a:latin typeface="Calibri"/>
+                <a:ea typeface="Calibri"/>
+                <a:cs typeface="Calibri"/>
+                <a:sym typeface="Calibri"/>
+              </a:rPr>
+              <a:t>_Linux</a:t>
+            </a:r>
+            <a:endParaRPr sz="1400" b="0" i="0" u="none" strike="noStrike" cap="none" dirty="0">
               <a:solidFill>
                 <a:srgbClr val="000000"/>
               </a:solidFill>
@@ -34756,7 +34780,7 @@
               <a:buFont typeface="Noto Sans Symbols"/>
               <a:buNone/>
             </a:pPr>
-            <a:endParaRPr sz="2700" b="0" i="0" u="none" strike="noStrike" cap="none">
+            <a:endParaRPr sz="2700" b="0" i="0" u="none" strike="noStrike" cap="none" dirty="0">
               <a:solidFill>
                 <a:schemeClr val="dk2"/>
               </a:solidFill>
@@ -34785,7 +34809,7 @@
               <a:buNone/>
             </a:pPr>
             <a:r>
-              <a:rPr lang="pt-BR" sz="2000" b="1" i="0" u="none" strike="noStrike" cap="none">
+              <a:rPr lang="pt-BR" sz="2000" b="1" i="0" u="none" strike="noStrike" cap="none" dirty="0">
                 <a:solidFill>
                   <a:schemeClr val="dk2"/>
                 </a:solidFill>
@@ -34794,9 +34818,9 @@
                 <a:cs typeface="Calibri"/>
                 <a:sym typeface="Calibri"/>
               </a:rPr>
-              <a:t>Talita Rocha Pinheiro</a:t>
+              <a:t>Heleno Cardoso</a:t>
             </a:r>
-            <a:endParaRPr sz="3000" b="1" i="0" u="none" strike="noStrike" cap="none">
+            <a:endParaRPr sz="3000" b="1" i="0" u="none" strike="noStrike" cap="none" dirty="0">
               <a:solidFill>
                 <a:schemeClr val="dk2"/>
               </a:solidFill>
@@ -34850,7 +34874,7 @@
               <a:buFont typeface="Noto Sans Symbols"/>
               <a:buNone/>
             </a:pPr>
-            <a:endParaRPr sz="2700" b="0" i="0" u="none" strike="noStrike" cap="none">
+            <a:endParaRPr sz="2700" b="0" i="0" u="none" strike="noStrike" cap="none" dirty="0">
               <a:solidFill>
                 <a:schemeClr val="dk2"/>
               </a:solidFill>
@@ -34879,7 +34903,7 @@
               <a:buNone/>
             </a:pPr>
             <a:r>
-              <a:rPr lang="pt-BR" sz="3000" b="1" i="0" u="none" strike="noStrike" cap="none">
+              <a:rPr lang="pt-BR" sz="3000" b="1" i="0" u="none" strike="noStrike" cap="none" dirty="0">
                 <a:solidFill>
                   <a:schemeClr val="dk2"/>
                 </a:solidFill>
@@ -34888,9 +34912,21 @@
                 <a:cs typeface="Calibri"/>
                 <a:sym typeface="Calibri"/>
               </a:rPr>
-              <a:t>Virtualização de SO / Windows 10</a:t>
+              <a:t>Virtualização de SO / </a:t>
             </a:r>
-            <a:endParaRPr sz="1400" b="0" i="0" u="none" strike="noStrike" cap="none">
+            <a:r>
+              <a:rPr lang="pt-BR" sz="3000" b="1" i="0" u="none" strike="noStrike" cap="none" dirty="0" err="1">
+                <a:solidFill>
+                  <a:schemeClr val="dk2"/>
+                </a:solidFill>
+                <a:latin typeface="Calibri"/>
+                <a:ea typeface="Calibri"/>
+                <a:cs typeface="Calibri"/>
+                <a:sym typeface="Calibri"/>
+              </a:rPr>
+              <a:t>Windows_Linux</a:t>
+            </a:r>
+            <a:endParaRPr sz="1400" b="0" i="0" u="none" strike="noStrike" cap="none" dirty="0">
               <a:solidFill>
                 <a:srgbClr val="000000"/>
               </a:solidFill>
